--- a/Presentation.pptx
+++ b/Presentation.pptx
@@ -268,7 +268,7 @@
           <a:p>
             <a:fld id="{158FD2E7-69BF-4211-91E7-74D297C112D2}" type="datetimeFigureOut">
               <a:rPr lang="en-US" smtClean="0"/>
-              <a:t>1/3/2019</a:t>
+              <a:t>1/9/2019</a:t>
             </a:fld>
             <a:endParaRPr lang="en-US"/>
           </a:p>
@@ -466,7 +466,7 @@
           <a:p>
             <a:fld id="{158FD2E7-69BF-4211-91E7-74D297C112D2}" type="datetimeFigureOut">
               <a:rPr lang="en-US" smtClean="0"/>
-              <a:t>1/3/2019</a:t>
+              <a:t>1/9/2019</a:t>
             </a:fld>
             <a:endParaRPr lang="en-US"/>
           </a:p>
@@ -674,7 +674,7 @@
           <a:p>
             <a:fld id="{158FD2E7-69BF-4211-91E7-74D297C112D2}" type="datetimeFigureOut">
               <a:rPr lang="en-US" smtClean="0"/>
-              <a:t>1/3/2019</a:t>
+              <a:t>1/9/2019</a:t>
             </a:fld>
             <a:endParaRPr lang="en-US"/>
           </a:p>
@@ -872,7 +872,7 @@
           <a:p>
             <a:fld id="{158FD2E7-69BF-4211-91E7-74D297C112D2}" type="datetimeFigureOut">
               <a:rPr lang="en-US" smtClean="0"/>
-              <a:t>1/3/2019</a:t>
+              <a:t>1/9/2019</a:t>
             </a:fld>
             <a:endParaRPr lang="en-US"/>
           </a:p>
@@ -1147,7 +1147,7 @@
           <a:p>
             <a:fld id="{158FD2E7-69BF-4211-91E7-74D297C112D2}" type="datetimeFigureOut">
               <a:rPr lang="en-US" smtClean="0"/>
-              <a:t>1/3/2019</a:t>
+              <a:t>1/9/2019</a:t>
             </a:fld>
             <a:endParaRPr lang="en-US"/>
           </a:p>
@@ -1412,7 +1412,7 @@
           <a:p>
             <a:fld id="{158FD2E7-69BF-4211-91E7-74D297C112D2}" type="datetimeFigureOut">
               <a:rPr lang="en-US" smtClean="0"/>
-              <a:t>1/3/2019</a:t>
+              <a:t>1/9/2019</a:t>
             </a:fld>
             <a:endParaRPr lang="en-US"/>
           </a:p>
@@ -1824,7 +1824,7 @@
           <a:p>
             <a:fld id="{158FD2E7-69BF-4211-91E7-74D297C112D2}" type="datetimeFigureOut">
               <a:rPr lang="en-US" smtClean="0"/>
-              <a:t>1/3/2019</a:t>
+              <a:t>1/9/2019</a:t>
             </a:fld>
             <a:endParaRPr lang="en-US"/>
           </a:p>
@@ -1965,7 +1965,7 @@
           <a:p>
             <a:fld id="{158FD2E7-69BF-4211-91E7-74D297C112D2}" type="datetimeFigureOut">
               <a:rPr lang="en-US" smtClean="0"/>
-              <a:t>1/3/2019</a:t>
+              <a:t>1/9/2019</a:t>
             </a:fld>
             <a:endParaRPr lang="en-US"/>
           </a:p>
@@ -2078,7 +2078,7 @@
           <a:p>
             <a:fld id="{158FD2E7-69BF-4211-91E7-74D297C112D2}" type="datetimeFigureOut">
               <a:rPr lang="en-US" smtClean="0"/>
-              <a:t>1/3/2019</a:t>
+              <a:t>1/9/2019</a:t>
             </a:fld>
             <a:endParaRPr lang="en-US"/>
           </a:p>
@@ -2389,7 +2389,7 @@
           <a:p>
             <a:fld id="{158FD2E7-69BF-4211-91E7-74D297C112D2}" type="datetimeFigureOut">
               <a:rPr lang="en-US" smtClean="0"/>
-              <a:t>1/3/2019</a:t>
+              <a:t>1/9/2019</a:t>
             </a:fld>
             <a:endParaRPr lang="en-US"/>
           </a:p>
@@ -2677,7 +2677,7 @@
           <a:p>
             <a:fld id="{158FD2E7-69BF-4211-91E7-74D297C112D2}" type="datetimeFigureOut">
               <a:rPr lang="en-US" smtClean="0"/>
-              <a:t>1/3/2019</a:t>
+              <a:t>1/9/2019</a:t>
             </a:fld>
             <a:endParaRPr lang="en-US"/>
           </a:p>
@@ -2918,7 +2918,7 @@
           <a:p>
             <a:fld id="{158FD2E7-69BF-4211-91E7-74D297C112D2}" type="datetimeFigureOut">
               <a:rPr lang="en-US" smtClean="0"/>
-              <a:t>1/3/2019</a:t>
+              <a:t>1/9/2019</a:t>
             </a:fld>
             <a:endParaRPr lang="en-US"/>
           </a:p>
@@ -6037,8 +6037,12 @@
           <a:lstStyle/>
           <a:p>
             <a:r>
+              <a:rPr lang="en-US"/>
+              <a:t>The scatter </a:t>
+            </a:r>
+            <a:r>
               <a:rPr lang="en-US" dirty="0"/>
-              <a:t>The normalized scatter / density plot to the left seem to indicate some relationship between IBU and ABV . The relationship does appear to be generally linear. </a:t>
+              <a:t>/ density plot to the left seem to indicate some relationship between IBU and ABV . The relationship does appear to be generally linear. </a:t>
             </a:r>
           </a:p>
           <a:p>
